--- a/Share/每周命题游戏设计/葛美玲/毕业.pptx
+++ b/Share/每周命题游戏设计/葛美玲/毕业.pptx
@@ -5,19 +5,25 @@
     <p:sldMasterId id="2147483648" r:id="rId1"/>
   </p:sldMasterIdLst>
   <p:notesMasterIdLst>
-    <p:notesMasterId r:id="rId7"/>
+    <p:notesMasterId r:id="rId13"/>
   </p:notesMasterIdLst>
   <p:sldIdLst>
     <p:sldId id="256" r:id="rId2"/>
     <p:sldId id="266" r:id="rId3"/>
     <p:sldId id="267" r:id="rId4"/>
     <p:sldId id="268" r:id="rId5"/>
-    <p:sldId id="261" r:id="rId6"/>
+    <p:sldId id="269" r:id="rId6"/>
+    <p:sldId id="270" r:id="rId7"/>
+    <p:sldId id="271" r:id="rId8"/>
+    <p:sldId id="272" r:id="rId9"/>
+    <p:sldId id="273" r:id="rId10"/>
+    <p:sldId id="274" r:id="rId11"/>
+    <p:sldId id="261" r:id="rId12"/>
   </p:sldIdLst>
   <p:sldSz cx="9144000" cy="6858000" type="screen4x3"/>
   <p:notesSz cx="6858000" cy="9144000"/>
   <p:custDataLst>
-    <p:tags r:id="rId8"/>
+    <p:tags r:id="rId14"/>
   </p:custDataLst>
   <p:defaultTextStyle>
     <a:defPPr>
@@ -204,7 +210,7 @@
           <a:p>
             <a:fld id="{E86D8963-CFCD-4740-AF60-049850373CDF}" type="datetimeFigureOut">
               <a:rPr lang="zh-CN" altLang="en-US" smtClean="0"/>
-              <a:t>2018/6/18</a:t>
+              <a:t>2018/6/24</a:t>
             </a:fld>
             <a:endParaRPr lang="zh-CN" altLang="en-US"/>
           </a:p>
@@ -8914,7 +8920,7 @@
             <a:fld id="{6489D9C7-5DC6-4263-87FF-7C99F6FB63C3}" type="datetime1">
               <a:rPr lang="zh-CN" altLang="en-US" smtClean="0"/>
               <a:pPr/>
-              <a:t>2018/6/18</a:t>
+              <a:t>2018/6/24</a:t>
             </a:fld>
             <a:endParaRPr lang="zh-CN" altLang="en-US"/>
           </a:p>
@@ -9047,7 +9053,7 @@
           <a:p>
             <a:fld id="{6489D9C7-5DC6-4263-87FF-7C99F6FB63C3}" type="datetime1">
               <a:rPr lang="zh-CN" altLang="en-US" smtClean="0"/>
-              <a:t>2018/6/18</a:t>
+              <a:t>2018/6/24</a:t>
             </a:fld>
             <a:endParaRPr lang="zh-CN" altLang="en-US"/>
           </a:p>
@@ -13148,7 +13154,7 @@
             <a:fld id="{6489D9C7-5DC6-4263-87FF-7C99F6FB63C3}" type="datetime1">
               <a:rPr lang="zh-CN" altLang="en-US" smtClean="0"/>
               <a:pPr/>
-              <a:t>2018/6/18</a:t>
+              <a:t>2018/6/24</a:t>
             </a:fld>
             <a:endParaRPr lang="zh-CN" altLang="en-US"/>
           </a:p>
@@ -13952,6 +13958,496 @@
 </p:sld>
 </file>
 
+<file path=ppt/slides/slide10.xml><?xml version="1.0" encoding="utf-8"?>
+<p:sld xmlns:a="http://schemas.openxmlformats.org/drawingml/2006/main" xmlns:r="http://schemas.openxmlformats.org/officeDocument/2006/relationships" xmlns:p="http://schemas.openxmlformats.org/presentationml/2006/main">
+  <p:cSld>
+    <p:spTree>
+      <p:nvGrpSpPr>
+        <p:cNvPr id="1" name=""/>
+        <p:cNvGrpSpPr/>
+        <p:nvPr/>
+      </p:nvGrpSpPr>
+      <p:grpSpPr>
+        <a:xfrm>
+          <a:off x="0" y="0"/>
+          <a:ext cx="0" cy="0"/>
+          <a:chOff x="0" y="0"/>
+          <a:chExt cx="0" cy="0"/>
+        </a:xfrm>
+      </p:grpSpPr>
+      <p:sp>
+        <p:nvSpPr>
+          <p:cNvPr id="2" name="标题 1"/>
+          <p:cNvSpPr>
+            <a:spLocks noGrp="1"/>
+          </p:cNvSpPr>
+          <p:nvPr>
+            <p:ph type="title"/>
+          </p:nvPr>
+        </p:nvSpPr>
+        <p:spPr/>
+        <p:txBody>
+          <a:bodyPr/>
+          <a:lstStyle/>
+          <a:p>
+            <a:r>
+              <a:rPr lang="zh-CN" altLang="en-US" dirty="0"/>
+              <a:t>游戏内容</a:t>
+            </a:r>
+          </a:p>
+        </p:txBody>
+      </p:sp>
+      <p:sp>
+        <p:nvSpPr>
+          <p:cNvPr id="3" name="页脚占位符 2"/>
+          <p:cNvSpPr>
+            <a:spLocks noGrp="1"/>
+          </p:cNvSpPr>
+          <p:nvPr>
+            <p:ph type="ftr" sz="quarter" idx="11"/>
+          </p:nvPr>
+        </p:nvSpPr>
+        <p:spPr/>
+        <p:txBody>
+          <a:bodyPr/>
+          <a:lstStyle/>
+          <a:p>
+            <a:r>
+              <a:rPr lang="en-US" altLang="zh-CN"/>
+              <a:t>www.islide.cc </a:t>
+            </a:r>
+            <a:r>
+              <a:rPr lang="zh-CN" altLang="en-US"/>
+              <a:t>「 让</a:t>
+            </a:r>
+            <a:r>
+              <a:rPr lang="en-US" altLang="zh-CN"/>
+              <a:t>PPT</a:t>
+            </a:r>
+            <a:r>
+              <a:rPr lang="zh-CN" altLang="en-US"/>
+              <a:t>设计简单起来！」</a:t>
+            </a:r>
+          </a:p>
+        </p:txBody>
+      </p:sp>
+      <p:sp>
+        <p:nvSpPr>
+          <p:cNvPr id="4" name="灯片编号占位符 3"/>
+          <p:cNvSpPr>
+            <a:spLocks noGrp="1"/>
+          </p:cNvSpPr>
+          <p:nvPr>
+            <p:ph type="sldNum" sz="quarter" idx="12"/>
+          </p:nvPr>
+        </p:nvSpPr>
+        <p:spPr/>
+        <p:txBody>
+          <a:bodyPr/>
+          <a:lstStyle/>
+          <a:p>
+            <a:fld id="{5DD3DB80-B894-403A-B48E-6FDC1A72010E}" type="slidenum">
+              <a:rPr lang="zh-CN" altLang="en-US" smtClean="0"/>
+              <a:t>10</a:t>
+            </a:fld>
+            <a:endParaRPr lang="zh-CN" altLang="en-US"/>
+          </a:p>
+        </p:txBody>
+      </p:sp>
+      <p:sp>
+        <p:nvSpPr>
+          <p:cNvPr id="5" name="矩形 4">
+            <a:extLst>
+              <a:ext uri="{FF2B5EF4-FFF2-40B4-BE49-F238E27FC236}">
+                <a16:creationId xmlns:a16="http://schemas.microsoft.com/office/drawing/2014/main" id="{22E01547-2568-4D4B-BD38-F74F39742E53}"/>
+              </a:ext>
+            </a:extLst>
+          </p:cNvPr>
+          <p:cNvSpPr/>
+          <p:nvPr/>
+        </p:nvSpPr>
+        <p:spPr>
+          <a:xfrm>
+            <a:off x="2286000" y="2634007"/>
+            <a:ext cx="4572000" cy="435825"/>
+          </a:xfrm>
+          <a:prstGeom prst="rect">
+            <a:avLst/>
+          </a:prstGeom>
+        </p:spPr>
+        <p:txBody>
+          <a:bodyPr>
+            <a:spAutoFit/>
+          </a:bodyPr>
+          <a:lstStyle/>
+          <a:p>
+            <a:pPr>
+              <a:lnSpc>
+                <a:spcPts val="3000"/>
+              </a:lnSpc>
+            </a:pPr>
+            <a:endParaRPr lang="en-US" altLang="zh-CN" dirty="0">
+              <a:latin typeface="+mn-ea"/>
+            </a:endParaRPr>
+          </a:p>
+        </p:txBody>
+      </p:sp>
+      <p:sp>
+        <p:nvSpPr>
+          <p:cNvPr id="6" name="文本框 5">
+            <a:extLst>
+              <a:ext uri="{FF2B5EF4-FFF2-40B4-BE49-F238E27FC236}">
+                <a16:creationId xmlns:a16="http://schemas.microsoft.com/office/drawing/2014/main" id="{B88A6A32-AD8F-448A-8F2D-CF0851D831D2}"/>
+              </a:ext>
+            </a:extLst>
+          </p:cNvPr>
+          <p:cNvSpPr txBox="1"/>
+          <p:nvPr/>
+        </p:nvSpPr>
+        <p:spPr>
+          <a:xfrm>
+            <a:off x="1083076" y="1473693"/>
+            <a:ext cx="7004481" cy="4247317"/>
+          </a:xfrm>
+          <a:prstGeom prst="rect">
+            <a:avLst/>
+          </a:prstGeom>
+          <a:noFill/>
+        </p:spPr>
+        <p:txBody>
+          <a:bodyPr wrap="square" rtlCol="0">
+            <a:spAutoFit/>
+          </a:bodyPr>
+          <a:lstStyle/>
+          <a:p>
+            <a:r>
+              <a:rPr lang="zh-CN" altLang="en-US" dirty="0"/>
+              <a:t>若不去见，则进入下一次循环。若见面，发现对方是一个平时默默无闻话也不多的女生</a:t>
+            </a:r>
+            <a:r>
+              <a:rPr lang="en-US" altLang="zh-CN" dirty="0"/>
+              <a:t>A</a:t>
+            </a:r>
+            <a:r>
+              <a:rPr lang="zh-CN" altLang="en-US" dirty="0"/>
+              <a:t>（细节中出现相同的衣服发型），该女生表示喜欢男主两年，男主选择同意或者拒绝，循环仍未结束。</a:t>
+            </a:r>
+            <a:endParaRPr lang="en-US" altLang="zh-CN" dirty="0"/>
+          </a:p>
+          <a:p>
+            <a:endParaRPr lang="en-US" altLang="zh-CN" dirty="0"/>
+          </a:p>
+          <a:p>
+            <a:r>
+              <a:rPr lang="zh-CN" altLang="en-US" dirty="0"/>
+              <a:t>第四次循环（游戏在</a:t>
+            </a:r>
+            <a:r>
+              <a:rPr lang="en-US" altLang="zh-CN" dirty="0"/>
+              <a:t>&gt;=4</a:t>
+            </a:r>
+            <a:r>
+              <a:rPr lang="zh-CN" altLang="en-US" dirty="0"/>
+              <a:t>个循环后才可以结束）</a:t>
+            </a:r>
+            <a:endParaRPr lang="en-US" altLang="zh-CN" dirty="0"/>
+          </a:p>
+          <a:p>
+            <a:r>
+              <a:rPr lang="zh-CN" altLang="en-US" dirty="0"/>
+              <a:t>细节更多，班花剧情，发现帮助自己的其实是女生</a:t>
+            </a:r>
+            <a:r>
+              <a:rPr lang="en-US" altLang="zh-CN" dirty="0"/>
+              <a:t>A</a:t>
+            </a:r>
+            <a:r>
+              <a:rPr lang="zh-CN" altLang="en-US" dirty="0"/>
+              <a:t>，且平时很多地方默默关注，触发回忆剧情：</a:t>
+            </a:r>
+            <a:r>
+              <a:rPr lang="en-US" altLang="zh-CN" dirty="0"/>
+              <a:t>A</a:t>
+            </a:r>
+            <a:r>
+              <a:rPr lang="zh-CN" altLang="en-US" dirty="0"/>
+              <a:t>与自己选了很多相同的科目，</a:t>
+            </a:r>
+            <a:r>
+              <a:rPr lang="en-US" altLang="zh-CN" dirty="0"/>
+              <a:t>A</a:t>
+            </a:r>
+            <a:r>
+              <a:rPr lang="zh-CN" altLang="en-US" dirty="0"/>
+              <a:t>会看自己的篮球赛，给自己买水，</a:t>
+            </a:r>
+            <a:r>
+              <a:rPr lang="en-US" altLang="zh-CN" dirty="0"/>
+              <a:t>A</a:t>
+            </a:r>
+            <a:r>
+              <a:rPr lang="zh-CN" altLang="en-US" dirty="0"/>
+              <a:t>会假装买多了自己爱吃的烧饼送自己等等</a:t>
+            </a:r>
+            <a:r>
+              <a:rPr lang="en-US" altLang="zh-CN" dirty="0"/>
+              <a:t>…</a:t>
+            </a:r>
+            <a:r>
+              <a:rPr lang="zh-CN" altLang="en-US" dirty="0"/>
+              <a:t>且最开始帮助自己的是</a:t>
+            </a:r>
+            <a:r>
+              <a:rPr lang="en-US" altLang="zh-CN" dirty="0"/>
+              <a:t>A</a:t>
+            </a:r>
+            <a:r>
+              <a:rPr lang="zh-CN" altLang="en-US" dirty="0"/>
+              <a:t>而不是班花</a:t>
+            </a:r>
+            <a:r>
+              <a:rPr lang="en-US" altLang="zh-CN" dirty="0"/>
+              <a:t>…</a:t>
+            </a:r>
+          </a:p>
+          <a:p>
+            <a:r>
+              <a:rPr lang="zh-CN" altLang="en-US" dirty="0"/>
+              <a:t>关键选项：不跟班花表白，且去操场与</a:t>
+            </a:r>
+            <a:r>
+              <a:rPr lang="en-US" altLang="zh-CN" dirty="0"/>
+              <a:t>A</a:t>
+            </a:r>
+            <a:r>
+              <a:rPr lang="zh-CN" altLang="en-US" dirty="0"/>
+              <a:t>见面，接受</a:t>
+            </a:r>
+            <a:r>
+              <a:rPr lang="en-US" altLang="zh-CN" dirty="0"/>
+              <a:t>A</a:t>
+            </a:r>
+            <a:r>
+              <a:rPr lang="zh-CN" altLang="en-US" dirty="0"/>
+              <a:t>的表白，循环结束，否则循环一直在。</a:t>
+            </a:r>
+            <a:endParaRPr lang="en-US" altLang="zh-CN" dirty="0"/>
+          </a:p>
+          <a:p>
+            <a:endParaRPr lang="en-US" altLang="zh-CN" dirty="0"/>
+          </a:p>
+          <a:p>
+            <a:r>
+              <a:rPr lang="zh-CN" altLang="en-US" dirty="0"/>
+              <a:t>循环结束，触发隐藏剧情，是男主死亡剧情，第一次循环前，男主喝醉被撞，</a:t>
+            </a:r>
+            <a:r>
+              <a:rPr lang="en-US" altLang="zh-CN" dirty="0"/>
+              <a:t>A</a:t>
+            </a:r>
+            <a:r>
+              <a:rPr lang="zh-CN" altLang="en-US" dirty="0"/>
+              <a:t>的执念让男主一直循环，为了救男主，一直在</a:t>
+            </a:r>
+            <a:r>
+              <a:rPr lang="en-US" altLang="zh-CN" dirty="0"/>
+              <a:t>06-24</a:t>
+            </a:r>
+            <a:r>
+              <a:rPr lang="zh-CN" altLang="en-US"/>
+              <a:t>循环</a:t>
+            </a:r>
+            <a:r>
+              <a:rPr lang="en-US" altLang="zh-CN"/>
+              <a:t> -END</a:t>
+            </a:r>
+            <a:endParaRPr lang="en-US" altLang="zh-CN" dirty="0"/>
+          </a:p>
+        </p:txBody>
+      </p:sp>
+    </p:spTree>
+    <p:extLst>
+      <p:ext uri="{BB962C8B-B14F-4D97-AF65-F5344CB8AC3E}">
+        <p14:creationId xmlns:p14="http://schemas.microsoft.com/office/powerpoint/2010/main" val="3372130537"/>
+      </p:ext>
+    </p:extLst>
+  </p:cSld>
+  <p:clrMapOvr>
+    <a:masterClrMapping/>
+  </p:clrMapOvr>
+</p:sld>
+</file>
+
+<file path=ppt/slides/slide11.xml><?xml version="1.0" encoding="utf-8"?>
+<p:sld xmlns:a="http://schemas.openxmlformats.org/drawingml/2006/main" xmlns:r="http://schemas.openxmlformats.org/officeDocument/2006/relationships" xmlns:p="http://schemas.openxmlformats.org/presentationml/2006/main">
+  <p:cSld>
+    <p:spTree>
+      <p:nvGrpSpPr>
+        <p:cNvPr id="1" name=""/>
+        <p:cNvGrpSpPr/>
+        <p:nvPr/>
+      </p:nvGrpSpPr>
+      <p:grpSpPr>
+        <a:xfrm>
+          <a:off x="0" y="0"/>
+          <a:ext cx="0" cy="0"/>
+          <a:chOff x="0" y="0"/>
+          <a:chExt cx="0" cy="0"/>
+        </a:xfrm>
+      </p:grpSpPr>
+      <p:sp>
+        <p:nvSpPr>
+          <p:cNvPr id="5" name="标题 4"/>
+          <p:cNvSpPr>
+            <a:spLocks noGrp="1"/>
+          </p:cNvSpPr>
+          <p:nvPr>
+            <p:ph type="ctrTitle"/>
+          </p:nvPr>
+        </p:nvSpPr>
+        <p:spPr>
+          <a:xfrm>
+            <a:off x="2503715" y="4033187"/>
+            <a:ext cx="4136571" cy="557213"/>
+          </a:xfrm>
+        </p:spPr>
+        <p:txBody>
+          <a:bodyPr>
+            <a:normAutofit fontScale="90000"/>
+          </a:bodyPr>
+          <a:lstStyle/>
+          <a:p>
+            <a:r>
+              <a:rPr lang="en-US" altLang="zh-CN" dirty="0"/>
+              <a:t>Thanks.</a:t>
+            </a:r>
+            <a:br>
+              <a:rPr lang="en-US" altLang="zh-CN" dirty="0"/>
+            </a:br>
+            <a:r>
+              <a:rPr lang="en-US" altLang="zh-CN" dirty="0"/>
+              <a:t>And Your Slogan Here.</a:t>
+            </a:r>
+            <a:endParaRPr lang="zh-CN" altLang="en-US" dirty="0"/>
+          </a:p>
+        </p:txBody>
+      </p:sp>
+      <p:sp>
+        <p:nvSpPr>
+          <p:cNvPr id="6" name="文本占位符 5"/>
+          <p:cNvSpPr>
+            <a:spLocks noGrp="1"/>
+          </p:cNvSpPr>
+          <p:nvPr>
+            <p:ph type="body" sz="quarter" idx="17"/>
+          </p:nvPr>
+        </p:nvSpPr>
+        <p:spPr>
+          <a:xfrm>
+            <a:off x="3103108" y="4764695"/>
+            <a:ext cx="2937785" cy="233153"/>
+          </a:xfrm>
+        </p:spPr>
+        <p:txBody>
+          <a:bodyPr>
+            <a:normAutofit fontScale="92500" lnSpcReduction="10000"/>
+          </a:bodyPr>
+          <a:lstStyle/>
+          <a:p>
+            <a:r>
+              <a:rPr lang="zh-CN" altLang="en-US" dirty="0"/>
+              <a:t>葛美玲</a:t>
+            </a:r>
+            <a:endParaRPr lang="en-US" altLang="zh-CN" dirty="0"/>
+          </a:p>
+        </p:txBody>
+      </p:sp>
+      <p:sp>
+        <p:nvSpPr>
+          <p:cNvPr id="7" name="文本占位符 6"/>
+          <p:cNvSpPr>
+            <a:spLocks noGrp="1"/>
+          </p:cNvSpPr>
+          <p:nvPr>
+            <p:ph type="body" sz="quarter" idx="18"/>
+          </p:nvPr>
+        </p:nvSpPr>
+        <p:spPr>
+          <a:xfrm>
+            <a:off x="3103108" y="5001421"/>
+            <a:ext cx="2937785" cy="233153"/>
+          </a:xfrm>
+        </p:spPr>
+        <p:txBody>
+          <a:bodyPr>
+            <a:normAutofit fontScale="92500" lnSpcReduction="10000"/>
+          </a:bodyPr>
+          <a:lstStyle/>
+          <a:p>
+            <a:r>
+              <a:rPr lang="en-US" altLang="zh-CN" dirty="0"/>
+              <a:t>2018-06-24</a:t>
+            </a:r>
+            <a:endParaRPr lang="en-US" altLang="en-US" dirty="0"/>
+          </a:p>
+        </p:txBody>
+      </p:sp>
+      <p:cxnSp>
+        <p:nvCxnSpPr>
+          <p:cNvPr id="3" name="直接连接符 2">
+            <a:extLst>
+              <a:ext uri="{FF2B5EF4-FFF2-40B4-BE49-F238E27FC236}">
+                <a16:creationId xmlns:a16="http://schemas.microsoft.com/office/drawing/2014/main" id="{F43C362F-F804-497F-A88C-4DFEDDD28839}"/>
+              </a:ext>
+            </a:extLst>
+          </p:cNvPr>
+          <p:cNvCxnSpPr/>
+          <p:nvPr/>
+        </p:nvCxnSpPr>
+        <p:spPr>
+          <a:xfrm>
+            <a:off x="2783681" y="4636448"/>
+            <a:ext cx="3600450" cy="0"/>
+          </a:xfrm>
+          <a:prstGeom prst="line">
+            <a:avLst/>
+          </a:prstGeom>
+          <a:ln>
+            <a:solidFill>
+              <a:schemeClr val="bg1">
+                <a:lumMod val="75000"/>
+              </a:schemeClr>
+            </a:solidFill>
+          </a:ln>
+        </p:spPr>
+        <p:style>
+          <a:lnRef idx="1">
+            <a:schemeClr val="accent1"/>
+          </a:lnRef>
+          <a:fillRef idx="0">
+            <a:schemeClr val="accent1"/>
+          </a:fillRef>
+          <a:effectRef idx="0">
+            <a:schemeClr val="accent1"/>
+          </a:effectRef>
+          <a:fontRef idx="minor">
+            <a:schemeClr val="tx1"/>
+          </a:fontRef>
+        </p:style>
+      </p:cxnSp>
+    </p:spTree>
+    <p:extLst>
+      <p:ext uri="{BB962C8B-B14F-4D97-AF65-F5344CB8AC3E}">
+        <p14:creationId xmlns:p14="http://schemas.microsoft.com/office/powerpoint/2010/main" val="1259043032"/>
+      </p:ext>
+    </p:extLst>
+  </p:cSld>
+  <p:clrMapOvr>
+    <a:masterClrMapping/>
+  </p:clrMapOvr>
+</p:sld>
+</file>
+
 <file path=ppt/slides/slide2.xml><?xml version="1.0" encoding="utf-8"?>
 <p:sld xmlns:a="http://schemas.openxmlformats.org/drawingml/2006/main" xmlns:r="http://schemas.openxmlformats.org/officeDocument/2006/relationships" xmlns:p="http://schemas.openxmlformats.org/presentationml/2006/main">
   <p:cSld>
@@ -14373,6 +14869,104 @@
           </a:p>
         </p:txBody>
       </p:sp>
+      <p:sp>
+        <p:nvSpPr>
+          <p:cNvPr id="6" name="文本框 5">
+            <a:extLst>
+              <a:ext uri="{FF2B5EF4-FFF2-40B4-BE49-F238E27FC236}">
+                <a16:creationId xmlns:a16="http://schemas.microsoft.com/office/drawing/2014/main" id="{B88A6A32-AD8F-448A-8F2D-CF0851D831D2}"/>
+              </a:ext>
+            </a:extLst>
+          </p:cNvPr>
+          <p:cNvSpPr txBox="1"/>
+          <p:nvPr/>
+        </p:nvSpPr>
+        <p:spPr>
+          <a:xfrm>
+            <a:off x="1083076" y="1473693"/>
+            <a:ext cx="7004481" cy="2185214"/>
+          </a:xfrm>
+          <a:prstGeom prst="rect">
+            <a:avLst/>
+          </a:prstGeom>
+          <a:noFill/>
+        </p:spPr>
+        <p:txBody>
+          <a:bodyPr wrap="square" rtlCol="0">
+            <a:spAutoFit/>
+          </a:bodyPr>
+          <a:lstStyle/>
+          <a:p>
+            <a:r>
+              <a:rPr lang="zh-CN" altLang="en-US" dirty="0"/>
+              <a:t>第一章节：醒来</a:t>
+            </a:r>
+            <a:endParaRPr lang="en-US" altLang="zh-CN" dirty="0"/>
+          </a:p>
+          <a:p>
+            <a:pPr fontAlgn="auto">
+              <a:lnSpc>
+                <a:spcPts val="3000"/>
+              </a:lnSpc>
+            </a:pPr>
+            <a:r>
+              <a:rPr lang="zh-CN" altLang="en-US" dirty="0">
+                <a:latin typeface="微软雅黑" panose="020B0503020204020204" charset="-122"/>
+                <a:ea typeface="微软雅黑" panose="020B0503020204020204" charset="-122"/>
+              </a:rPr>
+              <a:t>游戏场景：宿舍和食堂</a:t>
+            </a:r>
+          </a:p>
+          <a:p>
+            <a:pPr>
+              <a:lnSpc>
+                <a:spcPts val="3000"/>
+              </a:lnSpc>
+            </a:pPr>
+            <a:r>
+              <a:rPr lang="zh-CN" altLang="en-US" dirty="0">
+                <a:latin typeface="微软雅黑" panose="020B0503020204020204" charset="-122"/>
+                <a:ea typeface="微软雅黑" panose="020B0503020204020204" charset="-122"/>
+              </a:rPr>
+              <a:t>主要剧情：</a:t>
+            </a:r>
+            <a:r>
+              <a:rPr lang="zh-CN" altLang="en-US" dirty="0"/>
+              <a:t>男主人公和室友在宿舍醒来，今天是</a:t>
+            </a:r>
+            <a:r>
+              <a:rPr lang="en-US" altLang="zh-CN" dirty="0"/>
+              <a:t>06-24</a:t>
+            </a:r>
+            <a:r>
+              <a:rPr lang="zh-CN" altLang="en-US" dirty="0"/>
+              <a:t>，约定一起拍毕业照和吃散伙饭的日子，起床洗漱和室友去食堂吃早午餐</a:t>
+            </a:r>
+            <a:endParaRPr lang="zh-CN" altLang="en-US" dirty="0">
+              <a:latin typeface="微软雅黑" panose="020B0503020204020204" charset="-122"/>
+              <a:ea typeface="微软雅黑" panose="020B0503020204020204" charset="-122"/>
+            </a:endParaRPr>
+          </a:p>
+          <a:p>
+            <a:pPr fontAlgn="auto">
+              <a:lnSpc>
+                <a:spcPts val="3000"/>
+              </a:lnSpc>
+            </a:pPr>
+            <a:r>
+              <a:rPr lang="zh-CN" altLang="en-US" dirty="0">
+                <a:latin typeface="微软雅黑" panose="020B0503020204020204" charset="-122"/>
+                <a:ea typeface="微软雅黑" panose="020B0503020204020204" charset="-122"/>
+              </a:rPr>
+              <a:t>核心机制：滑动手指，点击关键道具或人物触发剧情和对话</a:t>
+            </a:r>
+            <a:endParaRPr lang="en-US" altLang="zh-CN" dirty="0"/>
+          </a:p>
+          <a:p>
+            <a:endParaRPr lang="zh-CN" altLang="en-US" dirty="0"/>
+          </a:p>
+        </p:txBody>
+      </p:sp>
     </p:spTree>
     <p:extLst>
       <p:ext uri="{BB962C8B-B14F-4D97-AF65-F5344CB8AC3E}">
@@ -14405,147 +14999,1323 @@
       </p:grpSpPr>
       <p:sp>
         <p:nvSpPr>
-          <p:cNvPr id="5" name="标题 4"/>
+          <p:cNvPr id="2" name="标题 1"/>
           <p:cNvSpPr>
             <a:spLocks noGrp="1"/>
           </p:cNvSpPr>
           <p:nvPr>
-            <p:ph type="ctrTitle"/>
+            <p:ph type="title"/>
           </p:nvPr>
         </p:nvSpPr>
-        <p:spPr>
-          <a:xfrm>
-            <a:off x="2503715" y="4033187"/>
-            <a:ext cx="4136571" cy="557213"/>
-          </a:xfrm>
-        </p:spPr>
+        <p:spPr/>
         <p:txBody>
-          <a:bodyPr>
-            <a:normAutofit fontScale="90000"/>
-          </a:bodyPr>
+          <a:bodyPr/>
           <a:lstStyle/>
           <a:p>
             <a:r>
-              <a:rPr lang="en-US" altLang="zh-CN" dirty="0"/>
-              <a:t>Thanks.</a:t>
-            </a:r>
-            <a:br>
-              <a:rPr lang="en-US" altLang="zh-CN" dirty="0"/>
-            </a:br>
-            <a:r>
-              <a:rPr lang="en-US" altLang="zh-CN" dirty="0"/>
-              <a:t>And Your Slogan Here.</a:t>
-            </a:r>
-            <a:endParaRPr lang="zh-CN" altLang="en-US" dirty="0"/>
+              <a:rPr lang="zh-CN" altLang="en-US" dirty="0"/>
+              <a:t>游戏内容</a:t>
+            </a:r>
           </a:p>
         </p:txBody>
       </p:sp>
       <p:sp>
         <p:nvSpPr>
-          <p:cNvPr id="6" name="文本占位符 5"/>
+          <p:cNvPr id="3" name="页脚占位符 2"/>
           <p:cNvSpPr>
             <a:spLocks noGrp="1"/>
           </p:cNvSpPr>
           <p:nvPr>
-            <p:ph type="body" sz="quarter" idx="17"/>
+            <p:ph type="ftr" sz="quarter" idx="11"/>
           </p:nvPr>
         </p:nvSpPr>
-        <p:spPr>
-          <a:xfrm>
-            <a:off x="3103108" y="4764695"/>
-            <a:ext cx="2937785" cy="233153"/>
-          </a:xfrm>
-        </p:spPr>
+        <p:spPr/>
         <p:txBody>
-          <a:bodyPr>
-            <a:normAutofit fontScale="92500" lnSpcReduction="10000"/>
-          </a:bodyPr>
+          <a:bodyPr/>
           <a:lstStyle/>
           <a:p>
             <a:r>
-              <a:rPr lang="en-US" altLang="zh-CN" dirty="0"/>
-              <a:t>Speaker name and title</a:t>
+              <a:rPr lang="en-US" altLang="zh-CN"/>
+              <a:t>www.islide.cc </a:t>
+            </a:r>
+            <a:r>
+              <a:rPr lang="zh-CN" altLang="en-US"/>
+              <a:t>「 让</a:t>
+            </a:r>
+            <a:r>
+              <a:rPr lang="en-US" altLang="zh-CN"/>
+              <a:t>PPT</a:t>
+            </a:r>
+            <a:r>
+              <a:rPr lang="zh-CN" altLang="en-US"/>
+              <a:t>设计简单起来！」</a:t>
             </a:r>
           </a:p>
         </p:txBody>
       </p:sp>
       <p:sp>
         <p:nvSpPr>
-          <p:cNvPr id="7" name="文本占位符 6"/>
+          <p:cNvPr id="4" name="灯片编号占位符 3"/>
           <p:cNvSpPr>
             <a:spLocks noGrp="1"/>
           </p:cNvSpPr>
           <p:nvPr>
-            <p:ph type="body" sz="quarter" idx="18"/>
+            <p:ph type="sldNum" sz="quarter" idx="12"/>
           </p:nvPr>
+        </p:nvSpPr>
+        <p:spPr/>
+        <p:txBody>
+          <a:bodyPr/>
+          <a:lstStyle/>
+          <a:p>
+            <a:fld id="{5DD3DB80-B894-403A-B48E-6FDC1A72010E}" type="slidenum">
+              <a:rPr lang="zh-CN" altLang="en-US" smtClean="0"/>
+              <a:t>5</a:t>
+            </a:fld>
+            <a:endParaRPr lang="zh-CN" altLang="en-US"/>
+          </a:p>
+        </p:txBody>
+      </p:sp>
+      <p:sp>
+        <p:nvSpPr>
+          <p:cNvPr id="5" name="矩形 4">
+            <a:extLst>
+              <a:ext uri="{FF2B5EF4-FFF2-40B4-BE49-F238E27FC236}">
+                <a16:creationId xmlns:a16="http://schemas.microsoft.com/office/drawing/2014/main" id="{22E01547-2568-4D4B-BD38-F74F39742E53}"/>
+              </a:ext>
+            </a:extLst>
+          </p:cNvPr>
+          <p:cNvSpPr/>
+          <p:nvPr/>
         </p:nvSpPr>
         <p:spPr>
           <a:xfrm>
-            <a:off x="3103108" y="5001421"/>
-            <a:ext cx="2937785" cy="233153"/>
+            <a:off x="2286000" y="2634007"/>
+            <a:ext cx="4572000" cy="435825"/>
           </a:xfrm>
+          <a:prstGeom prst="rect">
+            <a:avLst/>
+          </a:prstGeom>
         </p:spPr>
         <p:txBody>
           <a:bodyPr>
-            <a:normAutofit fontScale="92500" lnSpcReduction="10000"/>
+            <a:spAutoFit/>
           </a:bodyPr>
           <a:lstStyle/>
           <a:p>
-            <a:r>
-              <a:rPr lang="en-US" altLang="zh-CN" dirty="0"/>
-              <a:t>www.islide.cc</a:t>
-            </a:r>
-            <a:endParaRPr lang="en-US" altLang="en-US" dirty="0"/>
+            <a:pPr>
+              <a:lnSpc>
+                <a:spcPts val="3000"/>
+              </a:lnSpc>
+            </a:pPr>
+            <a:endParaRPr lang="en-US" altLang="zh-CN" dirty="0">
+              <a:latin typeface="+mn-ea"/>
+            </a:endParaRPr>
           </a:p>
         </p:txBody>
       </p:sp>
-      <p:cxnSp>
-        <p:nvCxnSpPr>
-          <p:cNvPr id="3" name="直接连接符 2">
+      <p:sp>
+        <p:nvSpPr>
+          <p:cNvPr id="6" name="文本框 5">
             <a:extLst>
               <a:ext uri="{FF2B5EF4-FFF2-40B4-BE49-F238E27FC236}">
-                <a16:creationId xmlns:a16="http://schemas.microsoft.com/office/drawing/2014/main" id="{F43C362F-F804-497F-A88C-4DFEDDD28839}"/>
+                <a16:creationId xmlns:a16="http://schemas.microsoft.com/office/drawing/2014/main" id="{B88A6A32-AD8F-448A-8F2D-CF0851D831D2}"/>
               </a:ext>
             </a:extLst>
           </p:cNvPr>
-          <p:cNvCxnSpPr/>
+          <p:cNvSpPr txBox="1"/>
           <p:nvPr/>
-        </p:nvCxnSpPr>
+        </p:nvSpPr>
         <p:spPr>
           <a:xfrm>
-            <a:off x="2783681" y="4636448"/>
-            <a:ext cx="3600450" cy="0"/>
+            <a:off x="1083076" y="1473693"/>
+            <a:ext cx="7004481" cy="2185214"/>
           </a:xfrm>
-          <a:prstGeom prst="line">
+          <a:prstGeom prst="rect">
             <a:avLst/>
           </a:prstGeom>
-          <a:ln>
-            <a:solidFill>
-              <a:schemeClr val="bg1">
-                <a:lumMod val="75000"/>
-              </a:schemeClr>
-            </a:solidFill>
-          </a:ln>
+          <a:noFill/>
         </p:spPr>
-        <p:style>
-          <a:lnRef idx="1">
-            <a:schemeClr val="accent1"/>
-          </a:lnRef>
-          <a:fillRef idx="0">
-            <a:schemeClr val="accent1"/>
-          </a:fillRef>
-          <a:effectRef idx="0">
-            <a:schemeClr val="accent1"/>
-          </a:effectRef>
-          <a:fontRef idx="minor">
-            <a:schemeClr val="tx1"/>
-          </a:fontRef>
-        </p:style>
-      </p:cxnSp>
+        <p:txBody>
+          <a:bodyPr wrap="square" rtlCol="0">
+            <a:spAutoFit/>
+          </a:bodyPr>
+          <a:lstStyle/>
+          <a:p>
+            <a:r>
+              <a:rPr lang="zh-CN" altLang="en-US" dirty="0"/>
+              <a:t>第二章节：匿名的短信</a:t>
+            </a:r>
+            <a:endParaRPr lang="en-US" altLang="zh-CN" dirty="0"/>
+          </a:p>
+          <a:p>
+            <a:pPr fontAlgn="auto">
+              <a:lnSpc>
+                <a:spcPts val="3000"/>
+              </a:lnSpc>
+            </a:pPr>
+            <a:r>
+              <a:rPr lang="zh-CN" altLang="en-US" dirty="0">
+                <a:latin typeface="微软雅黑" panose="020B0503020204020204" charset="-122"/>
+                <a:ea typeface="微软雅黑" panose="020B0503020204020204" charset="-122"/>
+              </a:rPr>
+              <a:t>游戏场景：宿舍</a:t>
+            </a:r>
+          </a:p>
+          <a:p>
+            <a:pPr>
+              <a:lnSpc>
+                <a:spcPts val="3000"/>
+              </a:lnSpc>
+            </a:pPr>
+            <a:r>
+              <a:rPr lang="zh-CN" altLang="en-US" dirty="0">
+                <a:latin typeface="微软雅黑" panose="020B0503020204020204" charset="-122"/>
+                <a:ea typeface="微软雅黑" panose="020B0503020204020204" charset="-122"/>
+              </a:rPr>
+              <a:t>主要剧情：</a:t>
+            </a:r>
+            <a:r>
+              <a:rPr lang="zh-CN" altLang="en-US" dirty="0"/>
+              <a:t>男主人公忽然收到匿名短信，告知自己在晚上吃完饭后在学校南操场约见，有重要的事情要告知。询问对方身份无果，与几个同学确认均无果。</a:t>
+            </a:r>
+            <a:endParaRPr lang="en-US" altLang="zh-CN" dirty="0"/>
+          </a:p>
+          <a:p>
+            <a:endParaRPr lang="zh-CN" altLang="en-US" dirty="0"/>
+          </a:p>
+        </p:txBody>
+      </p:sp>
     </p:spTree>
     <p:extLst>
       <p:ext uri="{BB962C8B-B14F-4D97-AF65-F5344CB8AC3E}">
-        <p14:creationId xmlns:p14="http://schemas.microsoft.com/office/powerpoint/2010/main" val="1259043032"/>
+        <p14:creationId xmlns:p14="http://schemas.microsoft.com/office/powerpoint/2010/main" val="222259652"/>
+      </p:ext>
+    </p:extLst>
+  </p:cSld>
+  <p:clrMapOvr>
+    <a:masterClrMapping/>
+  </p:clrMapOvr>
+</p:sld>
+</file>
+
+<file path=ppt/slides/slide6.xml><?xml version="1.0" encoding="utf-8"?>
+<p:sld xmlns:a="http://schemas.openxmlformats.org/drawingml/2006/main" xmlns:r="http://schemas.openxmlformats.org/officeDocument/2006/relationships" xmlns:p="http://schemas.openxmlformats.org/presentationml/2006/main">
+  <p:cSld>
+    <p:spTree>
+      <p:nvGrpSpPr>
+        <p:cNvPr id="1" name=""/>
+        <p:cNvGrpSpPr/>
+        <p:nvPr/>
+      </p:nvGrpSpPr>
+      <p:grpSpPr>
+        <a:xfrm>
+          <a:off x="0" y="0"/>
+          <a:ext cx="0" cy="0"/>
+          <a:chOff x="0" y="0"/>
+          <a:chExt cx="0" cy="0"/>
+        </a:xfrm>
+      </p:grpSpPr>
+      <p:sp>
+        <p:nvSpPr>
+          <p:cNvPr id="2" name="标题 1"/>
+          <p:cNvSpPr>
+            <a:spLocks noGrp="1"/>
+          </p:cNvSpPr>
+          <p:nvPr>
+            <p:ph type="title"/>
+          </p:nvPr>
+        </p:nvSpPr>
+        <p:spPr/>
+        <p:txBody>
+          <a:bodyPr/>
+          <a:lstStyle/>
+          <a:p>
+            <a:r>
+              <a:rPr lang="zh-CN" altLang="en-US" dirty="0"/>
+              <a:t>游戏内容</a:t>
+            </a:r>
+          </a:p>
+        </p:txBody>
+      </p:sp>
+      <p:sp>
+        <p:nvSpPr>
+          <p:cNvPr id="3" name="页脚占位符 2"/>
+          <p:cNvSpPr>
+            <a:spLocks noGrp="1"/>
+          </p:cNvSpPr>
+          <p:nvPr>
+            <p:ph type="ftr" sz="quarter" idx="11"/>
+          </p:nvPr>
+        </p:nvSpPr>
+        <p:spPr/>
+        <p:txBody>
+          <a:bodyPr/>
+          <a:lstStyle/>
+          <a:p>
+            <a:r>
+              <a:rPr lang="en-US" altLang="zh-CN"/>
+              <a:t>www.islide.cc </a:t>
+            </a:r>
+            <a:r>
+              <a:rPr lang="zh-CN" altLang="en-US"/>
+              <a:t>「 让</a:t>
+            </a:r>
+            <a:r>
+              <a:rPr lang="en-US" altLang="zh-CN"/>
+              <a:t>PPT</a:t>
+            </a:r>
+            <a:r>
+              <a:rPr lang="zh-CN" altLang="en-US"/>
+              <a:t>设计简单起来！」</a:t>
+            </a:r>
+          </a:p>
+        </p:txBody>
+      </p:sp>
+      <p:sp>
+        <p:nvSpPr>
+          <p:cNvPr id="4" name="灯片编号占位符 3"/>
+          <p:cNvSpPr>
+            <a:spLocks noGrp="1"/>
+          </p:cNvSpPr>
+          <p:nvPr>
+            <p:ph type="sldNum" sz="quarter" idx="12"/>
+          </p:nvPr>
+        </p:nvSpPr>
+        <p:spPr/>
+        <p:txBody>
+          <a:bodyPr/>
+          <a:lstStyle/>
+          <a:p>
+            <a:fld id="{5DD3DB80-B894-403A-B48E-6FDC1A72010E}" type="slidenum">
+              <a:rPr lang="zh-CN" altLang="en-US" smtClean="0"/>
+              <a:t>6</a:t>
+            </a:fld>
+            <a:endParaRPr lang="zh-CN" altLang="en-US"/>
+          </a:p>
+        </p:txBody>
+      </p:sp>
+      <p:sp>
+        <p:nvSpPr>
+          <p:cNvPr id="5" name="矩形 4">
+            <a:extLst>
+              <a:ext uri="{FF2B5EF4-FFF2-40B4-BE49-F238E27FC236}">
+                <a16:creationId xmlns:a16="http://schemas.microsoft.com/office/drawing/2014/main" id="{22E01547-2568-4D4B-BD38-F74F39742E53}"/>
+              </a:ext>
+            </a:extLst>
+          </p:cNvPr>
+          <p:cNvSpPr/>
+          <p:nvPr/>
+        </p:nvSpPr>
+        <p:spPr>
+          <a:xfrm>
+            <a:off x="2286000" y="2634007"/>
+            <a:ext cx="4572000" cy="435825"/>
+          </a:xfrm>
+          <a:prstGeom prst="rect">
+            <a:avLst/>
+          </a:prstGeom>
+        </p:spPr>
+        <p:txBody>
+          <a:bodyPr>
+            <a:spAutoFit/>
+          </a:bodyPr>
+          <a:lstStyle/>
+          <a:p>
+            <a:pPr>
+              <a:lnSpc>
+                <a:spcPts val="3000"/>
+              </a:lnSpc>
+            </a:pPr>
+            <a:endParaRPr lang="en-US" altLang="zh-CN" dirty="0">
+              <a:latin typeface="+mn-ea"/>
+            </a:endParaRPr>
+          </a:p>
+        </p:txBody>
+      </p:sp>
+      <p:sp>
+        <p:nvSpPr>
+          <p:cNvPr id="6" name="文本框 5">
+            <a:extLst>
+              <a:ext uri="{FF2B5EF4-FFF2-40B4-BE49-F238E27FC236}">
+                <a16:creationId xmlns:a16="http://schemas.microsoft.com/office/drawing/2014/main" id="{B88A6A32-AD8F-448A-8F2D-CF0851D831D2}"/>
+              </a:ext>
+            </a:extLst>
+          </p:cNvPr>
+          <p:cNvSpPr txBox="1"/>
+          <p:nvPr/>
+        </p:nvSpPr>
+        <p:spPr>
+          <a:xfrm>
+            <a:off x="1083076" y="1473693"/>
+            <a:ext cx="7004481" cy="1097095"/>
+          </a:xfrm>
+          <a:prstGeom prst="rect">
+            <a:avLst/>
+          </a:prstGeom>
+          <a:noFill/>
+        </p:spPr>
+        <p:txBody>
+          <a:bodyPr wrap="square" rtlCol="0">
+            <a:spAutoFit/>
+          </a:bodyPr>
+          <a:lstStyle/>
+          <a:p>
+            <a:r>
+              <a:rPr lang="zh-CN" altLang="en-US" dirty="0"/>
+              <a:t>第三章节：拍照</a:t>
+            </a:r>
+            <a:endParaRPr lang="en-US" altLang="zh-CN" dirty="0"/>
+          </a:p>
+          <a:p>
+            <a:pPr fontAlgn="auto">
+              <a:lnSpc>
+                <a:spcPts val="3000"/>
+              </a:lnSpc>
+            </a:pPr>
+            <a:r>
+              <a:rPr lang="zh-CN" altLang="en-US" dirty="0">
+                <a:latin typeface="微软雅黑" panose="020B0503020204020204" charset="-122"/>
+                <a:ea typeface="微软雅黑" panose="020B0503020204020204" charset="-122"/>
+              </a:rPr>
+              <a:t>游戏场景：图书馆门口</a:t>
+            </a:r>
+          </a:p>
+          <a:p>
+            <a:pPr>
+              <a:lnSpc>
+                <a:spcPts val="3000"/>
+              </a:lnSpc>
+            </a:pPr>
+            <a:r>
+              <a:rPr lang="zh-CN" altLang="en-US" dirty="0">
+                <a:latin typeface="微软雅黑" panose="020B0503020204020204" charset="-122"/>
+                <a:ea typeface="微软雅黑" panose="020B0503020204020204" charset="-122"/>
+              </a:rPr>
+              <a:t>主要剧情：男主与班里同学穿学士服，拍照，摆姿势</a:t>
+            </a:r>
+            <a:endParaRPr lang="zh-CN" altLang="en-US" dirty="0"/>
+          </a:p>
+        </p:txBody>
+      </p:sp>
+    </p:spTree>
+    <p:extLst>
+      <p:ext uri="{BB962C8B-B14F-4D97-AF65-F5344CB8AC3E}">
+        <p14:creationId xmlns:p14="http://schemas.microsoft.com/office/powerpoint/2010/main" val="834112858"/>
+      </p:ext>
+    </p:extLst>
+  </p:cSld>
+  <p:clrMapOvr>
+    <a:masterClrMapping/>
+  </p:clrMapOvr>
+</p:sld>
+</file>
+
+<file path=ppt/slides/slide7.xml><?xml version="1.0" encoding="utf-8"?>
+<p:sld xmlns:a="http://schemas.openxmlformats.org/drawingml/2006/main" xmlns:r="http://schemas.openxmlformats.org/officeDocument/2006/relationships" xmlns:p="http://schemas.openxmlformats.org/presentationml/2006/main">
+  <p:cSld>
+    <p:spTree>
+      <p:nvGrpSpPr>
+        <p:cNvPr id="1" name=""/>
+        <p:cNvGrpSpPr/>
+        <p:nvPr/>
+      </p:nvGrpSpPr>
+      <p:grpSpPr>
+        <a:xfrm>
+          <a:off x="0" y="0"/>
+          <a:ext cx="0" cy="0"/>
+          <a:chOff x="0" y="0"/>
+          <a:chExt cx="0" cy="0"/>
+        </a:xfrm>
+      </p:grpSpPr>
+      <p:sp>
+        <p:nvSpPr>
+          <p:cNvPr id="2" name="标题 1"/>
+          <p:cNvSpPr>
+            <a:spLocks noGrp="1"/>
+          </p:cNvSpPr>
+          <p:nvPr>
+            <p:ph type="title"/>
+          </p:nvPr>
+        </p:nvSpPr>
+        <p:spPr/>
+        <p:txBody>
+          <a:bodyPr/>
+          <a:lstStyle/>
+          <a:p>
+            <a:r>
+              <a:rPr lang="zh-CN" altLang="en-US" dirty="0"/>
+              <a:t>游戏内容</a:t>
+            </a:r>
+          </a:p>
+        </p:txBody>
+      </p:sp>
+      <p:sp>
+        <p:nvSpPr>
+          <p:cNvPr id="3" name="页脚占位符 2"/>
+          <p:cNvSpPr>
+            <a:spLocks noGrp="1"/>
+          </p:cNvSpPr>
+          <p:nvPr>
+            <p:ph type="ftr" sz="quarter" idx="11"/>
+          </p:nvPr>
+        </p:nvSpPr>
+        <p:spPr/>
+        <p:txBody>
+          <a:bodyPr/>
+          <a:lstStyle/>
+          <a:p>
+            <a:r>
+              <a:rPr lang="en-US" altLang="zh-CN"/>
+              <a:t>www.islide.cc </a:t>
+            </a:r>
+            <a:r>
+              <a:rPr lang="zh-CN" altLang="en-US"/>
+              <a:t>「 让</a:t>
+            </a:r>
+            <a:r>
+              <a:rPr lang="en-US" altLang="zh-CN"/>
+              <a:t>PPT</a:t>
+            </a:r>
+            <a:r>
+              <a:rPr lang="zh-CN" altLang="en-US"/>
+              <a:t>设计简单起来！」</a:t>
+            </a:r>
+          </a:p>
+        </p:txBody>
+      </p:sp>
+      <p:sp>
+        <p:nvSpPr>
+          <p:cNvPr id="4" name="灯片编号占位符 3"/>
+          <p:cNvSpPr>
+            <a:spLocks noGrp="1"/>
+          </p:cNvSpPr>
+          <p:nvPr>
+            <p:ph type="sldNum" sz="quarter" idx="12"/>
+          </p:nvPr>
+        </p:nvSpPr>
+        <p:spPr/>
+        <p:txBody>
+          <a:bodyPr/>
+          <a:lstStyle/>
+          <a:p>
+            <a:fld id="{5DD3DB80-B894-403A-B48E-6FDC1A72010E}" type="slidenum">
+              <a:rPr lang="zh-CN" altLang="en-US" smtClean="0"/>
+              <a:t>7</a:t>
+            </a:fld>
+            <a:endParaRPr lang="zh-CN" altLang="en-US"/>
+          </a:p>
+        </p:txBody>
+      </p:sp>
+      <p:sp>
+        <p:nvSpPr>
+          <p:cNvPr id="5" name="矩形 4">
+            <a:extLst>
+              <a:ext uri="{FF2B5EF4-FFF2-40B4-BE49-F238E27FC236}">
+                <a16:creationId xmlns:a16="http://schemas.microsoft.com/office/drawing/2014/main" id="{22E01547-2568-4D4B-BD38-F74F39742E53}"/>
+              </a:ext>
+            </a:extLst>
+          </p:cNvPr>
+          <p:cNvSpPr/>
+          <p:nvPr/>
+        </p:nvSpPr>
+        <p:spPr>
+          <a:xfrm>
+            <a:off x="2286000" y="2634007"/>
+            <a:ext cx="4572000" cy="435825"/>
+          </a:xfrm>
+          <a:prstGeom prst="rect">
+            <a:avLst/>
+          </a:prstGeom>
+        </p:spPr>
+        <p:txBody>
+          <a:bodyPr>
+            <a:spAutoFit/>
+          </a:bodyPr>
+          <a:lstStyle/>
+          <a:p>
+            <a:pPr>
+              <a:lnSpc>
+                <a:spcPts val="3000"/>
+              </a:lnSpc>
+            </a:pPr>
+            <a:endParaRPr lang="en-US" altLang="zh-CN" dirty="0">
+              <a:latin typeface="+mn-ea"/>
+            </a:endParaRPr>
+          </a:p>
+        </p:txBody>
+      </p:sp>
+      <p:sp>
+        <p:nvSpPr>
+          <p:cNvPr id="6" name="文本框 5">
+            <a:extLst>
+              <a:ext uri="{FF2B5EF4-FFF2-40B4-BE49-F238E27FC236}">
+                <a16:creationId xmlns:a16="http://schemas.microsoft.com/office/drawing/2014/main" id="{B88A6A32-AD8F-448A-8F2D-CF0851D831D2}"/>
+              </a:ext>
+            </a:extLst>
+          </p:cNvPr>
+          <p:cNvSpPr txBox="1"/>
+          <p:nvPr/>
+        </p:nvSpPr>
+        <p:spPr>
+          <a:xfrm>
+            <a:off x="1083076" y="1473693"/>
+            <a:ext cx="7004481" cy="1866537"/>
+          </a:xfrm>
+          <a:prstGeom prst="rect">
+            <a:avLst/>
+          </a:prstGeom>
+          <a:noFill/>
+        </p:spPr>
+        <p:txBody>
+          <a:bodyPr wrap="square" rtlCol="0">
+            <a:spAutoFit/>
+          </a:bodyPr>
+          <a:lstStyle/>
+          <a:p>
+            <a:r>
+              <a:rPr lang="zh-CN" altLang="en-US" dirty="0"/>
+              <a:t>第四章节：最后的晚餐</a:t>
+            </a:r>
+            <a:endParaRPr lang="en-US" altLang="zh-CN" dirty="0"/>
+          </a:p>
+          <a:p>
+            <a:pPr fontAlgn="auto">
+              <a:lnSpc>
+                <a:spcPts val="3000"/>
+              </a:lnSpc>
+            </a:pPr>
+            <a:r>
+              <a:rPr lang="zh-CN" altLang="en-US" dirty="0">
+                <a:latin typeface="微软雅黑" panose="020B0503020204020204" charset="-122"/>
+                <a:ea typeface="微软雅黑" panose="020B0503020204020204" charset="-122"/>
+              </a:rPr>
+              <a:t>游戏场景：一家餐厅</a:t>
+            </a:r>
+          </a:p>
+          <a:p>
+            <a:pPr>
+              <a:lnSpc>
+                <a:spcPts val="3000"/>
+              </a:lnSpc>
+            </a:pPr>
+            <a:r>
+              <a:rPr lang="zh-CN" altLang="en-US" dirty="0">
+                <a:latin typeface="微软雅黑" panose="020B0503020204020204" charset="-122"/>
+                <a:ea typeface="微软雅黑" panose="020B0503020204020204" charset="-122"/>
+              </a:rPr>
+              <a:t>主要剧情：男主与同学喝酒，想起了班花当初帮助自己的事情（触发回忆剧情），于是借着酒意与班里自己喜欢了两年的班花表白，失败被拒绝，借酒消愁</a:t>
+            </a:r>
+            <a:endParaRPr lang="zh-CN" altLang="en-US" dirty="0"/>
+          </a:p>
+        </p:txBody>
+      </p:sp>
+    </p:spTree>
+    <p:extLst>
+      <p:ext uri="{BB962C8B-B14F-4D97-AF65-F5344CB8AC3E}">
+        <p14:creationId xmlns:p14="http://schemas.microsoft.com/office/powerpoint/2010/main" val="2038102360"/>
+      </p:ext>
+    </p:extLst>
+  </p:cSld>
+  <p:clrMapOvr>
+    <a:masterClrMapping/>
+  </p:clrMapOvr>
+</p:sld>
+</file>
+
+<file path=ppt/slides/slide8.xml><?xml version="1.0" encoding="utf-8"?>
+<p:sld xmlns:a="http://schemas.openxmlformats.org/drawingml/2006/main" xmlns:r="http://schemas.openxmlformats.org/officeDocument/2006/relationships" xmlns:p="http://schemas.openxmlformats.org/presentationml/2006/main">
+  <p:cSld>
+    <p:spTree>
+      <p:nvGrpSpPr>
+        <p:cNvPr id="1" name=""/>
+        <p:cNvGrpSpPr/>
+        <p:nvPr/>
+      </p:nvGrpSpPr>
+      <p:grpSpPr>
+        <a:xfrm>
+          <a:off x="0" y="0"/>
+          <a:ext cx="0" cy="0"/>
+          <a:chOff x="0" y="0"/>
+          <a:chExt cx="0" cy="0"/>
+        </a:xfrm>
+      </p:grpSpPr>
+      <p:sp>
+        <p:nvSpPr>
+          <p:cNvPr id="2" name="标题 1"/>
+          <p:cNvSpPr>
+            <a:spLocks noGrp="1"/>
+          </p:cNvSpPr>
+          <p:nvPr>
+            <p:ph type="title"/>
+          </p:nvPr>
+        </p:nvSpPr>
+        <p:spPr/>
+        <p:txBody>
+          <a:bodyPr/>
+          <a:lstStyle/>
+          <a:p>
+            <a:r>
+              <a:rPr lang="zh-CN" altLang="en-US" dirty="0"/>
+              <a:t>游戏内容</a:t>
+            </a:r>
+          </a:p>
+        </p:txBody>
+      </p:sp>
+      <p:sp>
+        <p:nvSpPr>
+          <p:cNvPr id="3" name="页脚占位符 2"/>
+          <p:cNvSpPr>
+            <a:spLocks noGrp="1"/>
+          </p:cNvSpPr>
+          <p:nvPr>
+            <p:ph type="ftr" sz="quarter" idx="11"/>
+          </p:nvPr>
+        </p:nvSpPr>
+        <p:spPr/>
+        <p:txBody>
+          <a:bodyPr/>
+          <a:lstStyle/>
+          <a:p>
+            <a:r>
+              <a:rPr lang="en-US" altLang="zh-CN"/>
+              <a:t>www.islide.cc </a:t>
+            </a:r>
+            <a:r>
+              <a:rPr lang="zh-CN" altLang="en-US"/>
+              <a:t>「 让</a:t>
+            </a:r>
+            <a:r>
+              <a:rPr lang="en-US" altLang="zh-CN"/>
+              <a:t>PPT</a:t>
+            </a:r>
+            <a:r>
+              <a:rPr lang="zh-CN" altLang="en-US"/>
+              <a:t>设计简单起来！」</a:t>
+            </a:r>
+          </a:p>
+        </p:txBody>
+      </p:sp>
+      <p:sp>
+        <p:nvSpPr>
+          <p:cNvPr id="4" name="灯片编号占位符 3"/>
+          <p:cNvSpPr>
+            <a:spLocks noGrp="1"/>
+          </p:cNvSpPr>
+          <p:nvPr>
+            <p:ph type="sldNum" sz="quarter" idx="12"/>
+          </p:nvPr>
+        </p:nvSpPr>
+        <p:spPr/>
+        <p:txBody>
+          <a:bodyPr/>
+          <a:lstStyle/>
+          <a:p>
+            <a:fld id="{5DD3DB80-B894-403A-B48E-6FDC1A72010E}" type="slidenum">
+              <a:rPr lang="zh-CN" altLang="en-US" smtClean="0"/>
+              <a:t>8</a:t>
+            </a:fld>
+            <a:endParaRPr lang="zh-CN" altLang="en-US"/>
+          </a:p>
+        </p:txBody>
+      </p:sp>
+      <p:sp>
+        <p:nvSpPr>
+          <p:cNvPr id="5" name="矩形 4">
+            <a:extLst>
+              <a:ext uri="{FF2B5EF4-FFF2-40B4-BE49-F238E27FC236}">
+                <a16:creationId xmlns:a16="http://schemas.microsoft.com/office/drawing/2014/main" id="{22E01547-2568-4D4B-BD38-F74F39742E53}"/>
+              </a:ext>
+            </a:extLst>
+          </p:cNvPr>
+          <p:cNvSpPr/>
+          <p:nvPr/>
+        </p:nvSpPr>
+        <p:spPr>
+          <a:xfrm>
+            <a:off x="2286000" y="2634007"/>
+            <a:ext cx="4572000" cy="435825"/>
+          </a:xfrm>
+          <a:prstGeom prst="rect">
+            <a:avLst/>
+          </a:prstGeom>
+        </p:spPr>
+        <p:txBody>
+          <a:bodyPr>
+            <a:spAutoFit/>
+          </a:bodyPr>
+          <a:lstStyle/>
+          <a:p>
+            <a:pPr>
+              <a:lnSpc>
+                <a:spcPts val="3000"/>
+              </a:lnSpc>
+            </a:pPr>
+            <a:endParaRPr lang="en-US" altLang="zh-CN" dirty="0">
+              <a:latin typeface="+mn-ea"/>
+            </a:endParaRPr>
+          </a:p>
+        </p:txBody>
+      </p:sp>
+      <p:sp>
+        <p:nvSpPr>
+          <p:cNvPr id="6" name="文本框 5">
+            <a:extLst>
+              <a:ext uri="{FF2B5EF4-FFF2-40B4-BE49-F238E27FC236}">
+                <a16:creationId xmlns:a16="http://schemas.microsoft.com/office/drawing/2014/main" id="{B88A6A32-AD8F-448A-8F2D-CF0851D831D2}"/>
+              </a:ext>
+            </a:extLst>
+          </p:cNvPr>
+          <p:cNvSpPr txBox="1"/>
+          <p:nvPr/>
+        </p:nvSpPr>
+        <p:spPr>
+          <a:xfrm>
+            <a:off x="1083076" y="1473693"/>
+            <a:ext cx="7004481" cy="1481816"/>
+          </a:xfrm>
+          <a:prstGeom prst="rect">
+            <a:avLst/>
+          </a:prstGeom>
+          <a:noFill/>
+        </p:spPr>
+        <p:txBody>
+          <a:bodyPr wrap="square" rtlCol="0">
+            <a:spAutoFit/>
+          </a:bodyPr>
+          <a:lstStyle/>
+          <a:p>
+            <a:r>
+              <a:rPr lang="zh-CN" altLang="en-US" dirty="0"/>
+              <a:t>第四章节：终结</a:t>
+            </a:r>
+            <a:endParaRPr lang="en-US" altLang="zh-CN" dirty="0"/>
+          </a:p>
+          <a:p>
+            <a:pPr fontAlgn="auto">
+              <a:lnSpc>
+                <a:spcPts val="3000"/>
+              </a:lnSpc>
+            </a:pPr>
+            <a:r>
+              <a:rPr lang="zh-CN" altLang="en-US" dirty="0">
+                <a:latin typeface="微软雅黑" panose="020B0503020204020204" charset="-122"/>
+                <a:ea typeface="微软雅黑" panose="020B0503020204020204" charset="-122"/>
+              </a:rPr>
+              <a:t>游戏场景：回学校的途中</a:t>
+            </a:r>
+          </a:p>
+          <a:p>
+            <a:pPr>
+              <a:lnSpc>
+                <a:spcPts val="3000"/>
+              </a:lnSpc>
+            </a:pPr>
+            <a:r>
+              <a:rPr lang="zh-CN" altLang="en-US" dirty="0">
+                <a:latin typeface="微软雅黑" panose="020B0503020204020204" charset="-122"/>
+                <a:ea typeface="微软雅黑" panose="020B0503020204020204" charset="-122"/>
+              </a:rPr>
+              <a:t>主要剧情：男主伤心难过，喝醉了酒，模糊中听到扑通一声，有什么撞击的声音，感觉头很痛</a:t>
+            </a:r>
+            <a:r>
+              <a:rPr lang="en-US" altLang="zh-CN" dirty="0">
+                <a:latin typeface="微软雅黑" panose="020B0503020204020204" charset="-122"/>
+                <a:ea typeface="微软雅黑" panose="020B0503020204020204" charset="-122"/>
+              </a:rPr>
+              <a:t>…</a:t>
+            </a:r>
+            <a:endParaRPr lang="zh-CN" altLang="en-US" dirty="0"/>
+          </a:p>
+        </p:txBody>
+      </p:sp>
+    </p:spTree>
+    <p:extLst>
+      <p:ext uri="{BB962C8B-B14F-4D97-AF65-F5344CB8AC3E}">
+        <p14:creationId xmlns:p14="http://schemas.microsoft.com/office/powerpoint/2010/main" val="963303955"/>
+      </p:ext>
+    </p:extLst>
+  </p:cSld>
+  <p:clrMapOvr>
+    <a:masterClrMapping/>
+  </p:clrMapOvr>
+</p:sld>
+</file>
+
+<file path=ppt/slides/slide9.xml><?xml version="1.0" encoding="utf-8"?>
+<p:sld xmlns:a="http://schemas.openxmlformats.org/drawingml/2006/main" xmlns:r="http://schemas.openxmlformats.org/officeDocument/2006/relationships" xmlns:p="http://schemas.openxmlformats.org/presentationml/2006/main">
+  <p:cSld>
+    <p:spTree>
+      <p:nvGrpSpPr>
+        <p:cNvPr id="1" name=""/>
+        <p:cNvGrpSpPr/>
+        <p:nvPr/>
+      </p:nvGrpSpPr>
+      <p:grpSpPr>
+        <a:xfrm>
+          <a:off x="0" y="0"/>
+          <a:ext cx="0" cy="0"/>
+          <a:chOff x="0" y="0"/>
+          <a:chExt cx="0" cy="0"/>
+        </a:xfrm>
+      </p:grpSpPr>
+      <p:sp>
+        <p:nvSpPr>
+          <p:cNvPr id="2" name="标题 1"/>
+          <p:cNvSpPr>
+            <a:spLocks noGrp="1"/>
+          </p:cNvSpPr>
+          <p:nvPr>
+            <p:ph type="title"/>
+          </p:nvPr>
+        </p:nvSpPr>
+        <p:spPr/>
+        <p:txBody>
+          <a:bodyPr/>
+          <a:lstStyle/>
+          <a:p>
+            <a:r>
+              <a:rPr lang="zh-CN" altLang="en-US" dirty="0"/>
+              <a:t>游戏内容</a:t>
+            </a:r>
+          </a:p>
+        </p:txBody>
+      </p:sp>
+      <p:sp>
+        <p:nvSpPr>
+          <p:cNvPr id="3" name="页脚占位符 2"/>
+          <p:cNvSpPr>
+            <a:spLocks noGrp="1"/>
+          </p:cNvSpPr>
+          <p:nvPr>
+            <p:ph type="ftr" sz="quarter" idx="11"/>
+          </p:nvPr>
+        </p:nvSpPr>
+        <p:spPr/>
+        <p:txBody>
+          <a:bodyPr/>
+          <a:lstStyle/>
+          <a:p>
+            <a:r>
+              <a:rPr lang="en-US" altLang="zh-CN"/>
+              <a:t>www.islide.cc </a:t>
+            </a:r>
+            <a:r>
+              <a:rPr lang="zh-CN" altLang="en-US"/>
+              <a:t>「 让</a:t>
+            </a:r>
+            <a:r>
+              <a:rPr lang="en-US" altLang="zh-CN"/>
+              <a:t>PPT</a:t>
+            </a:r>
+            <a:r>
+              <a:rPr lang="zh-CN" altLang="en-US"/>
+              <a:t>设计简单起来！」</a:t>
+            </a:r>
+          </a:p>
+        </p:txBody>
+      </p:sp>
+      <p:sp>
+        <p:nvSpPr>
+          <p:cNvPr id="4" name="灯片编号占位符 3"/>
+          <p:cNvSpPr>
+            <a:spLocks noGrp="1"/>
+          </p:cNvSpPr>
+          <p:nvPr>
+            <p:ph type="sldNum" sz="quarter" idx="12"/>
+          </p:nvPr>
+        </p:nvSpPr>
+        <p:spPr/>
+        <p:txBody>
+          <a:bodyPr/>
+          <a:lstStyle/>
+          <a:p>
+            <a:fld id="{5DD3DB80-B894-403A-B48E-6FDC1A72010E}" type="slidenum">
+              <a:rPr lang="zh-CN" altLang="en-US" smtClean="0"/>
+              <a:t>9</a:t>
+            </a:fld>
+            <a:endParaRPr lang="zh-CN" altLang="en-US"/>
+          </a:p>
+        </p:txBody>
+      </p:sp>
+      <p:sp>
+        <p:nvSpPr>
+          <p:cNvPr id="5" name="矩形 4">
+            <a:extLst>
+              <a:ext uri="{FF2B5EF4-FFF2-40B4-BE49-F238E27FC236}">
+                <a16:creationId xmlns:a16="http://schemas.microsoft.com/office/drawing/2014/main" id="{22E01547-2568-4D4B-BD38-F74F39742E53}"/>
+              </a:ext>
+            </a:extLst>
+          </p:cNvPr>
+          <p:cNvSpPr/>
+          <p:nvPr/>
+        </p:nvSpPr>
+        <p:spPr>
+          <a:xfrm>
+            <a:off x="2286000" y="2634007"/>
+            <a:ext cx="4572000" cy="435825"/>
+          </a:xfrm>
+          <a:prstGeom prst="rect">
+            <a:avLst/>
+          </a:prstGeom>
+        </p:spPr>
+        <p:txBody>
+          <a:bodyPr>
+            <a:spAutoFit/>
+          </a:bodyPr>
+          <a:lstStyle/>
+          <a:p>
+            <a:pPr>
+              <a:lnSpc>
+                <a:spcPts val="3000"/>
+              </a:lnSpc>
+            </a:pPr>
+            <a:endParaRPr lang="en-US" altLang="zh-CN" dirty="0">
+              <a:latin typeface="+mn-ea"/>
+            </a:endParaRPr>
+          </a:p>
+        </p:txBody>
+      </p:sp>
+      <p:sp>
+        <p:nvSpPr>
+          <p:cNvPr id="6" name="文本框 5">
+            <a:extLst>
+              <a:ext uri="{FF2B5EF4-FFF2-40B4-BE49-F238E27FC236}">
+                <a16:creationId xmlns:a16="http://schemas.microsoft.com/office/drawing/2014/main" id="{B88A6A32-AD8F-448A-8F2D-CF0851D831D2}"/>
+              </a:ext>
+            </a:extLst>
+          </p:cNvPr>
+          <p:cNvSpPr txBox="1"/>
+          <p:nvPr/>
+        </p:nvSpPr>
+        <p:spPr>
+          <a:xfrm>
+            <a:off x="1083076" y="1473693"/>
+            <a:ext cx="7004481" cy="5355312"/>
+          </a:xfrm>
+          <a:prstGeom prst="rect">
+            <a:avLst/>
+          </a:prstGeom>
+          <a:noFill/>
+        </p:spPr>
+        <p:txBody>
+          <a:bodyPr wrap="square" rtlCol="0">
+            <a:spAutoFit/>
+          </a:bodyPr>
+          <a:lstStyle/>
+          <a:p>
+            <a:r>
+              <a:rPr lang="zh-CN" altLang="en-US" dirty="0"/>
+              <a:t>循环开始</a:t>
+            </a:r>
+            <a:endParaRPr lang="en-US" altLang="zh-CN" dirty="0"/>
+          </a:p>
+          <a:p>
+            <a:endParaRPr lang="en-US" altLang="zh-CN" dirty="0"/>
+          </a:p>
+          <a:p>
+            <a:r>
+              <a:rPr lang="zh-CN" altLang="en-US" dirty="0"/>
+              <a:t>男主人公和室友在宿舍醒来，</a:t>
+            </a:r>
+            <a:r>
+              <a:rPr lang="zh-CN" altLang="en-US" dirty="0">
+                <a:latin typeface="微软雅黑" panose="020B0503020204020204" charset="-122"/>
+                <a:ea typeface="微软雅黑" panose="020B0503020204020204" charset="-122"/>
+              </a:rPr>
+              <a:t>男主保留上一次的记忆，醒来发现自己头不痛，也没有受伤，但触发相同剧情，从室友对话得知今天依旧是</a:t>
+            </a:r>
+            <a:r>
+              <a:rPr lang="en-US" altLang="zh-CN" dirty="0">
+                <a:latin typeface="微软雅黑" panose="020B0503020204020204" charset="-122"/>
+                <a:ea typeface="微软雅黑" panose="020B0503020204020204" charset="-122"/>
+              </a:rPr>
+              <a:t>06-24</a:t>
+            </a:r>
+            <a:r>
+              <a:rPr lang="zh-CN" altLang="en-US" dirty="0">
+                <a:latin typeface="微软雅黑" panose="020B0503020204020204" charset="-122"/>
+                <a:ea typeface="微软雅黑" panose="020B0503020204020204" charset="-122"/>
+              </a:rPr>
+              <a:t>，后面依旧收到了短信，男主此时选择打电话过去，但是对方挂断。每次循环都会增加可以点击的道具（道具之前就存在但是不能点击，每次玩都会发现更多的细节），第二次循环完成，基本剧情不变，但知道了更多细节。这里需要玩家发现，比如男主不管是拍照还是吃饭等，后面都有同一个女生</a:t>
+            </a:r>
+            <a:r>
+              <a:rPr lang="en-US" altLang="zh-CN" dirty="0">
+                <a:latin typeface="微软雅黑" panose="020B0503020204020204" charset="-122"/>
+                <a:ea typeface="微软雅黑" panose="020B0503020204020204" charset="-122"/>
+              </a:rPr>
+              <a:t>(</a:t>
+            </a:r>
+            <a:r>
+              <a:rPr lang="zh-CN" altLang="en-US" dirty="0">
+                <a:latin typeface="微软雅黑" panose="020B0503020204020204" charset="-122"/>
+                <a:ea typeface="微软雅黑" panose="020B0503020204020204" charset="-122"/>
+              </a:rPr>
+              <a:t>看不清脸</a:t>
+            </a:r>
+            <a:r>
+              <a:rPr lang="en-US" altLang="zh-CN" dirty="0">
+                <a:latin typeface="微软雅黑" panose="020B0503020204020204" charset="-122"/>
+                <a:ea typeface="微软雅黑" panose="020B0503020204020204" charset="-122"/>
+              </a:rPr>
+              <a:t>)</a:t>
+            </a:r>
+            <a:r>
+              <a:rPr lang="zh-CN" altLang="en-US" dirty="0">
+                <a:latin typeface="微软雅黑" panose="020B0503020204020204" charset="-122"/>
+                <a:ea typeface="微软雅黑" panose="020B0503020204020204" charset="-122"/>
+              </a:rPr>
+              <a:t>在后面，触发与班花第一次帮助自己剧情，也出现该女生</a:t>
+            </a:r>
+            <a:r>
+              <a:rPr lang="en-US" altLang="zh-CN" dirty="0">
+                <a:latin typeface="微软雅黑" panose="020B0503020204020204" charset="-122"/>
+                <a:ea typeface="微软雅黑" panose="020B0503020204020204" charset="-122"/>
+              </a:rPr>
+              <a:t>.</a:t>
+            </a:r>
+            <a:r>
+              <a:rPr lang="zh-CN" altLang="en-US" dirty="0">
+                <a:latin typeface="微软雅黑" panose="020B0503020204020204" charset="-122"/>
+                <a:ea typeface="微软雅黑" panose="020B0503020204020204" charset="-122"/>
+              </a:rPr>
+              <a:t>第一次过剧情时</a:t>
+            </a:r>
+            <a:r>
+              <a:rPr lang="en-US" altLang="zh-CN" dirty="0">
+                <a:latin typeface="微软雅黑" panose="020B0503020204020204" charset="-122"/>
+                <a:ea typeface="微软雅黑" panose="020B0503020204020204" charset="-122"/>
+              </a:rPr>
+              <a:t>,</a:t>
+            </a:r>
+            <a:r>
+              <a:rPr lang="zh-CN" altLang="en-US" dirty="0">
+                <a:latin typeface="微软雅黑" panose="020B0503020204020204" charset="-122"/>
+                <a:ea typeface="微软雅黑" panose="020B0503020204020204" charset="-122"/>
+              </a:rPr>
+              <a:t>该女生与其余同学都是灰色的建模</a:t>
+            </a:r>
+            <a:r>
+              <a:rPr lang="en-US" altLang="zh-CN" dirty="0">
+                <a:latin typeface="微软雅黑" panose="020B0503020204020204" charset="-122"/>
+                <a:ea typeface="微软雅黑" panose="020B0503020204020204" charset="-122"/>
+              </a:rPr>
+              <a:t>,</a:t>
+            </a:r>
+            <a:r>
+              <a:rPr lang="zh-CN" altLang="en-US" dirty="0">
+                <a:latin typeface="微软雅黑" panose="020B0503020204020204" charset="-122"/>
+                <a:ea typeface="微软雅黑" panose="020B0503020204020204" charset="-122"/>
+              </a:rPr>
+              <a:t>无细节</a:t>
+            </a:r>
+            <a:r>
+              <a:rPr lang="en-US" altLang="zh-CN" dirty="0">
+                <a:latin typeface="微软雅黑" panose="020B0503020204020204" charset="-122"/>
+                <a:ea typeface="微软雅黑" panose="020B0503020204020204" charset="-122"/>
+              </a:rPr>
+              <a:t>,</a:t>
+            </a:r>
+            <a:r>
+              <a:rPr lang="zh-CN" altLang="en-US" dirty="0">
+                <a:latin typeface="微软雅黑" panose="020B0503020204020204" charset="-122"/>
+                <a:ea typeface="微软雅黑" panose="020B0503020204020204" charset="-122"/>
+              </a:rPr>
+              <a:t>从第二次开始出现细节</a:t>
+            </a:r>
+            <a:r>
+              <a:rPr lang="en-US" altLang="zh-CN" dirty="0">
+                <a:latin typeface="微软雅黑" panose="020B0503020204020204" charset="-122"/>
+                <a:ea typeface="微软雅黑" panose="020B0503020204020204" charset="-122"/>
+              </a:rPr>
+              <a:t>,</a:t>
+            </a:r>
+            <a:r>
+              <a:rPr lang="zh-CN" altLang="en-US" dirty="0">
+                <a:latin typeface="微软雅黑" panose="020B0503020204020204" charset="-122"/>
+                <a:ea typeface="微软雅黑" panose="020B0503020204020204" charset="-122"/>
+              </a:rPr>
+              <a:t>第三次则出现颜色和五官等</a:t>
+            </a:r>
+            <a:r>
+              <a:rPr lang="en-US" altLang="zh-CN" dirty="0">
+                <a:latin typeface="微软雅黑" panose="020B0503020204020204" charset="-122"/>
+                <a:ea typeface="微软雅黑" panose="020B0503020204020204" charset="-122"/>
+              </a:rPr>
+              <a:t>.</a:t>
+            </a:r>
+            <a:r>
+              <a:rPr lang="zh-CN" altLang="en-US" dirty="0">
+                <a:latin typeface="微软雅黑" panose="020B0503020204020204" charset="-122"/>
+                <a:ea typeface="微软雅黑" panose="020B0503020204020204" charset="-122"/>
+              </a:rPr>
+              <a:t>第二次循环时男主喝醉听到了汽车撞击的声音，还有很多血。</a:t>
+            </a:r>
+            <a:endParaRPr lang="en-US" altLang="zh-CN" dirty="0">
+              <a:latin typeface="微软雅黑" panose="020B0503020204020204" charset="-122"/>
+              <a:ea typeface="微软雅黑" panose="020B0503020204020204" charset="-122"/>
+            </a:endParaRPr>
+          </a:p>
+          <a:p>
+            <a:endParaRPr lang="en-US" altLang="zh-CN" dirty="0">
+              <a:latin typeface="微软雅黑" panose="020B0503020204020204" charset="-122"/>
+              <a:ea typeface="微软雅黑" panose="020B0503020204020204" charset="-122"/>
+            </a:endParaRPr>
+          </a:p>
+          <a:p>
+            <a:r>
+              <a:rPr lang="zh-CN" altLang="en-US" dirty="0">
+                <a:latin typeface="微软雅黑" panose="020B0503020204020204" charset="-122"/>
+                <a:ea typeface="微软雅黑" panose="020B0503020204020204" charset="-122"/>
+              </a:rPr>
+              <a:t>第三次循环，男主可以做选项，比如选择是否喝酒，是否跟班花表白，且可以选择跳过剧情或者不跳，但是第四章节开始不能跳过。</a:t>
+            </a:r>
+            <a:endParaRPr lang="en-US" altLang="zh-CN" dirty="0">
+              <a:latin typeface="微软雅黑" panose="020B0503020204020204" charset="-122"/>
+              <a:ea typeface="微软雅黑" panose="020B0503020204020204" charset="-122"/>
+            </a:endParaRPr>
+          </a:p>
+          <a:p>
+            <a:r>
+              <a:rPr lang="zh-CN" altLang="en-US" dirty="0">
+                <a:latin typeface="微软雅黑" panose="020B0503020204020204" charset="-122"/>
+                <a:ea typeface="微软雅黑" panose="020B0503020204020204" charset="-122"/>
+              </a:rPr>
+              <a:t>若不喝酒</a:t>
+            </a:r>
+            <a:r>
+              <a:rPr lang="en-US" altLang="zh-CN" dirty="0">
+                <a:latin typeface="微软雅黑" panose="020B0503020204020204" charset="-122"/>
+                <a:ea typeface="微软雅黑" panose="020B0503020204020204" charset="-122"/>
+              </a:rPr>
+              <a:t>,</a:t>
+            </a:r>
+            <a:r>
+              <a:rPr lang="zh-CN" altLang="en-US" dirty="0">
+                <a:latin typeface="微软雅黑" panose="020B0503020204020204" charset="-122"/>
+                <a:ea typeface="微软雅黑" panose="020B0503020204020204" charset="-122"/>
+              </a:rPr>
+              <a:t>跟班花表白</a:t>
+            </a:r>
+            <a:r>
+              <a:rPr lang="en-US" altLang="zh-CN" dirty="0">
+                <a:latin typeface="微软雅黑" panose="020B0503020204020204" charset="-122"/>
+                <a:ea typeface="微软雅黑" panose="020B0503020204020204" charset="-122"/>
+              </a:rPr>
+              <a:t>,</a:t>
+            </a:r>
+            <a:r>
+              <a:rPr lang="zh-CN" altLang="en-US" dirty="0">
+                <a:latin typeface="微软雅黑" panose="020B0503020204020204" charset="-122"/>
+                <a:ea typeface="微软雅黑" panose="020B0503020204020204" charset="-122"/>
+              </a:rPr>
+              <a:t>失败</a:t>
+            </a:r>
+            <a:r>
+              <a:rPr lang="en-US" altLang="zh-CN" dirty="0">
+                <a:latin typeface="微软雅黑" panose="020B0503020204020204" charset="-122"/>
+                <a:ea typeface="微软雅黑" panose="020B0503020204020204" charset="-122"/>
+              </a:rPr>
+              <a:t>,</a:t>
+            </a:r>
+            <a:r>
+              <a:rPr lang="zh-CN" altLang="en-US" dirty="0">
+                <a:latin typeface="微软雅黑" panose="020B0503020204020204" charset="-122"/>
+                <a:ea typeface="微软雅黑" panose="020B0503020204020204" charset="-122"/>
+              </a:rPr>
+              <a:t>晚上选择是否去操场</a:t>
+            </a:r>
+            <a:r>
+              <a:rPr lang="en-US" altLang="zh-CN" dirty="0">
+                <a:latin typeface="微软雅黑" panose="020B0503020204020204" charset="-122"/>
+                <a:ea typeface="微软雅黑" panose="020B0503020204020204" charset="-122"/>
+              </a:rPr>
+              <a:t>,</a:t>
+            </a:r>
+            <a:r>
+              <a:rPr lang="zh-CN" altLang="en-US" dirty="0">
+                <a:latin typeface="微软雅黑" panose="020B0503020204020204" charset="-122"/>
+                <a:ea typeface="微软雅黑" panose="020B0503020204020204" charset="-122"/>
+              </a:rPr>
+              <a:t>不管去还是不去</a:t>
+            </a:r>
+            <a:r>
+              <a:rPr lang="en-US" altLang="zh-CN" dirty="0">
+                <a:latin typeface="微软雅黑" panose="020B0503020204020204" charset="-122"/>
+                <a:ea typeface="微软雅黑" panose="020B0503020204020204" charset="-122"/>
+              </a:rPr>
+              <a:t>,</a:t>
+            </a:r>
+            <a:r>
+              <a:rPr lang="zh-CN" altLang="en-US" dirty="0">
+                <a:latin typeface="微软雅黑" panose="020B0503020204020204" charset="-122"/>
+                <a:ea typeface="微软雅黑" panose="020B0503020204020204" charset="-122"/>
+              </a:rPr>
+              <a:t>对方都没来</a:t>
+            </a:r>
+            <a:r>
+              <a:rPr lang="en-US" altLang="zh-CN" dirty="0">
+                <a:latin typeface="微软雅黑" panose="020B0503020204020204" charset="-122"/>
+                <a:ea typeface="微软雅黑" panose="020B0503020204020204" charset="-122"/>
+              </a:rPr>
+              <a:t>,</a:t>
+            </a:r>
+            <a:r>
+              <a:rPr lang="zh-CN" altLang="en-US" dirty="0">
+                <a:latin typeface="微软雅黑" panose="020B0503020204020204" charset="-122"/>
+                <a:ea typeface="微软雅黑" panose="020B0503020204020204" charset="-122"/>
+              </a:rPr>
+              <a:t>发短信告知自己不用等</a:t>
+            </a:r>
+            <a:r>
+              <a:rPr lang="en-US" altLang="zh-CN" dirty="0">
+                <a:latin typeface="微软雅黑" panose="020B0503020204020204" charset="-122"/>
+                <a:ea typeface="微软雅黑" panose="020B0503020204020204" charset="-122"/>
+              </a:rPr>
+              <a:t>. </a:t>
+            </a:r>
+            <a:r>
+              <a:rPr lang="zh-CN" altLang="en-US" dirty="0">
+                <a:latin typeface="微软雅黑" panose="020B0503020204020204" charset="-122"/>
+                <a:ea typeface="微软雅黑" panose="020B0503020204020204" charset="-122"/>
+              </a:rPr>
+              <a:t>若不跟班花表白</a:t>
+            </a:r>
+            <a:r>
+              <a:rPr lang="en-US" altLang="zh-CN" dirty="0">
+                <a:latin typeface="微软雅黑" panose="020B0503020204020204" charset="-122"/>
+                <a:ea typeface="微软雅黑" panose="020B0503020204020204" charset="-122"/>
+              </a:rPr>
+              <a:t>,</a:t>
+            </a:r>
+            <a:r>
+              <a:rPr lang="zh-CN" altLang="en-US" dirty="0">
+                <a:latin typeface="微软雅黑" panose="020B0503020204020204" charset="-122"/>
+                <a:ea typeface="微软雅黑" panose="020B0503020204020204" charset="-122"/>
+              </a:rPr>
+              <a:t>不管是否喝酒</a:t>
+            </a:r>
+            <a:r>
+              <a:rPr lang="en-US" altLang="zh-CN" dirty="0">
+                <a:latin typeface="微软雅黑" panose="020B0503020204020204" charset="-122"/>
+                <a:ea typeface="微软雅黑" panose="020B0503020204020204" charset="-122"/>
+              </a:rPr>
+              <a:t>,</a:t>
+            </a:r>
+            <a:r>
+              <a:rPr lang="zh-CN" altLang="en-US" dirty="0">
+                <a:latin typeface="微软雅黑" panose="020B0503020204020204" charset="-122"/>
+                <a:ea typeface="微软雅黑" panose="020B0503020204020204" charset="-122"/>
+              </a:rPr>
+              <a:t>男主人公都可以安全到宿舍，并选择是否去见匿名短信的人。</a:t>
+            </a:r>
+          </a:p>
+        </p:txBody>
+      </p:sp>
+    </p:spTree>
+    <p:extLst>
+      <p:ext uri="{BB962C8B-B14F-4D97-AF65-F5344CB8AC3E}">
+        <p14:creationId xmlns:p14="http://schemas.microsoft.com/office/powerpoint/2010/main" val="3654732694"/>
       </p:ext>
     </p:extLst>
   </p:cSld>
